--- a/Data Structures/Graph/Graph.pptx
+++ b/Data Structures/Graph/Graph.pptx
@@ -12,8 +12,8 @@
   </p:handoutMasterIdLst>
   <p:sldIdLst>
     <p:sldId id="257" r:id="rId2"/>
-    <p:sldId id="259" r:id="rId3"/>
-    <p:sldId id="260" r:id="rId4"/>
+    <p:sldId id="258" r:id="rId3"/>
+    <p:sldId id="259" r:id="rId4"/>
   </p:sldIdLst>
   <p:sldSz cx="12192000" cy="6858000"/>
   <p:notesSz cx="6858000" cy="9144000"/>
@@ -206,7 +206,7 @@
           <a:p>
             <a:fld id="{0BDBD1D9-3FDD-4C60-943B-7DAF7F36BBC8}" type="datetimeFigureOut">
               <a:rPr lang="en-US" smtClean="0"/>
-              <a:t>4/15/2023</a:t>
+              <a:t>4/22/2023</a:t>
             </a:fld>
             <a:endParaRPr lang="en-US"/>
           </a:p>
@@ -376,7 +376,7 @@
           <a:p>
             <a:fld id="{9D616595-FEC1-48C1-9F92-C9F2B53F8F7E}" type="datetimeFigureOut">
               <a:rPr lang="en-US" smtClean="0"/>
-              <a:t>4/15/2023</a:t>
+              <a:t>4/22/2023</a:t>
             </a:fld>
             <a:endParaRPr lang="en-US"/>
           </a:p>
@@ -776,7 +776,7 @@
           <a:p>
             <a:fld id="{B6B7FAE0-0E2F-46B3-8201-91E6E9B9B009}" type="datetime1">
               <a:rPr lang="en-US" smtClean="0"/>
-              <a:t>4/15/2023</a:t>
+              <a:t>4/22/2023</a:t>
             </a:fld>
             <a:endParaRPr lang="en-US"/>
           </a:p>
@@ -950,7 +950,7 @@
           <a:p>
             <a:fld id="{B5E1F229-E5A2-4C35-8F60-41C0B4B8982D}" type="datetime1">
               <a:rPr lang="en-US" smtClean="0"/>
-              <a:t>4/15/2023</a:t>
+              <a:t>4/22/2023</a:t>
             </a:fld>
             <a:endParaRPr lang="en-US"/>
           </a:p>
@@ -1134,7 +1134,7 @@
           <a:p>
             <a:fld id="{AEC696E9-F878-4549-9CE6-89505440F0C4}" type="datetime1">
               <a:rPr lang="en-US" smtClean="0"/>
-              <a:t>4/15/2023</a:t>
+              <a:t>4/22/2023</a:t>
             </a:fld>
             <a:endParaRPr lang="en-US"/>
           </a:p>
@@ -1308,7 +1308,7 @@
           <a:p>
             <a:fld id="{65B9B7B7-040C-48DF-90E7-24B60089BDA7}" type="datetime1">
               <a:rPr lang="en-US" smtClean="0"/>
-              <a:t>4/15/2023</a:t>
+              <a:t>4/22/2023</a:t>
             </a:fld>
             <a:endParaRPr lang="en-US"/>
           </a:p>
@@ -1558,7 +1558,7 @@
           <a:p>
             <a:fld id="{22EC016E-244F-4B07-B4BC-314D748F5853}" type="datetime1">
               <a:rPr lang="en-US" smtClean="0"/>
-              <a:t>4/15/2023</a:t>
+              <a:t>4/22/2023</a:t>
             </a:fld>
             <a:endParaRPr lang="en-US"/>
           </a:p>
@@ -1794,7 +1794,7 @@
           <a:p>
             <a:fld id="{A892E0EA-252A-45D6-B969-59F7EDC4D784}" type="datetime1">
               <a:rPr lang="en-US" smtClean="0"/>
-              <a:t>4/15/2023</a:t>
+              <a:t>4/22/2023</a:t>
             </a:fld>
             <a:endParaRPr lang="en-US"/>
           </a:p>
@@ -2165,7 +2165,7 @@
           <a:p>
             <a:fld id="{659E6B5E-4CF8-4009-96C5-9AF730EBDE63}" type="datetime1">
               <a:rPr lang="en-US" smtClean="0"/>
-              <a:t>4/15/2023</a:t>
+              <a:t>4/22/2023</a:t>
             </a:fld>
             <a:endParaRPr lang="en-US"/>
           </a:p>
@@ -2287,7 +2287,7 @@
           <a:p>
             <a:fld id="{D27109C5-2C47-46B2-9DFB-E1CFDD15C7EF}" type="datetime1">
               <a:rPr lang="en-US" smtClean="0"/>
-              <a:t>4/15/2023</a:t>
+              <a:t>4/22/2023</a:t>
             </a:fld>
             <a:endParaRPr lang="en-US"/>
           </a:p>
@@ -2386,7 +2386,7 @@
           <a:p>
             <a:fld id="{86D6E499-D4FC-4A15-8D3C-923D81848AAD}" type="datetime1">
               <a:rPr lang="en-US" smtClean="0"/>
-              <a:t>4/15/2023</a:t>
+              <a:t>4/22/2023</a:t>
             </a:fld>
             <a:endParaRPr lang="en-US"/>
           </a:p>
@@ -2667,7 +2667,7 @@
           <a:p>
             <a:fld id="{FC71C662-0A09-434E-AAE5-5159A3DAB153}" type="datetime1">
               <a:rPr lang="en-US" smtClean="0"/>
-              <a:t>4/15/2023</a:t>
+              <a:t>4/22/2023</a:t>
             </a:fld>
             <a:endParaRPr lang="en-US"/>
           </a:p>
@@ -2924,7 +2924,7 @@
           <a:p>
             <a:fld id="{96E1C0E6-B513-446F-AAA1-CA5A4B0FD833}" type="datetime1">
               <a:rPr lang="en-US" smtClean="0"/>
-              <a:t>4/15/2023</a:t>
+              <a:t>4/22/2023</a:t>
             </a:fld>
             <a:endParaRPr lang="en-US"/>
           </a:p>
@@ -3141,7 +3141,7 @@
           <a:p>
             <a:fld id="{EEB9B53E-3028-47A0-AB40-E02EC842F787}" type="datetime1">
               <a:rPr lang="en-US" smtClean="0"/>
-              <a:t>4/15/2023</a:t>
+              <a:t>4/22/2023</a:t>
             </a:fld>
             <a:endParaRPr lang="en-US"/>
           </a:p>
@@ -3553,25 +3553,6 @@
       </p:grpSpPr>
       <p:sp>
         <p:nvSpPr>
-          <p:cNvPr id="8" name="Title 7"/>
-          <p:cNvSpPr>
-            <a:spLocks noGrp="1"/>
-          </p:cNvSpPr>
-          <p:nvPr>
-            <p:ph type="title"/>
-          </p:nvPr>
-        </p:nvSpPr>
-        <p:spPr/>
-        <p:txBody>
-          <a:bodyPr/>
-          <a:lstStyle/>
-          <a:p>
-            <a:endParaRPr lang="en-US"/>
-          </a:p>
-        </p:txBody>
-      </p:sp>
-      <p:sp>
-        <p:nvSpPr>
           <p:cNvPr id="9" name="Content Placeholder 8"/>
           <p:cNvSpPr>
             <a:spLocks noGrp="1"/>
@@ -3580,11 +3561,72 @@
             <p:ph idx="1"/>
           </p:nvPr>
         </p:nvSpPr>
-        <p:spPr/>
-        <p:txBody>
-          <a:bodyPr/>
-          <a:lstStyle/>
-          <a:p>
+        <p:spPr>
+          <a:xfrm>
+            <a:off x="838200" y="412955"/>
+            <a:ext cx="6801465" cy="5764008"/>
+          </a:xfrm>
+        </p:spPr>
+        <p:txBody>
+          <a:bodyPr>
+            <a:normAutofit fontScale="92500" lnSpcReduction="20000"/>
+          </a:bodyPr>
+          <a:lstStyle/>
+          <a:p>
+            <a:r>
+              <a:rPr lang="en-US" dirty="0" smtClean="0"/>
+              <a:t>A graph is a non linear data structures that consist of finite number of vertices(also called nodes) connected by edges</a:t>
+            </a:r>
+          </a:p>
+          <a:p>
+            <a:r>
+              <a:rPr lang="en-US" dirty="0" smtClean="0"/>
+              <a:t>Trees are a specific type of graph data structures</a:t>
+            </a:r>
+          </a:p>
+          <a:p>
+            <a:r>
+              <a:rPr lang="en-US" dirty="0" smtClean="0"/>
+              <a:t>Types of graph – </a:t>
+            </a:r>
+          </a:p>
+          <a:p>
+            <a:r>
+              <a:rPr lang="en-US" dirty="0" smtClean="0"/>
+              <a:t>1. </a:t>
+            </a:r>
+            <a:r>
+              <a:rPr lang="en-US" dirty="0"/>
+              <a:t>D</a:t>
+            </a:r>
+            <a:r>
+              <a:rPr lang="en-US" dirty="0" smtClean="0"/>
+              <a:t>irected – A graph in which the edges have a direction Edges are usually represented by arrows pointing in the direction the graph can be traversed  ex. A-B- C</a:t>
+            </a:r>
+          </a:p>
+          <a:p>
+            <a:r>
+              <a:rPr lang="en-US" dirty="0" smtClean="0"/>
+              <a:t> 2. Undirected  - A graph in which the edges are bidirectional</a:t>
+            </a:r>
+          </a:p>
+          <a:p>
+            <a:r>
+              <a:rPr lang="en-US" dirty="0" smtClean="0"/>
+              <a:t>The graph can e traversed in either direction</a:t>
+            </a:r>
+          </a:p>
+          <a:p>
+            <a:r>
+              <a:rPr lang="en-US" dirty="0" smtClean="0"/>
+              <a:t>The absence of a arrow tells us that the graph is undirected</a:t>
+            </a:r>
+          </a:p>
+          <a:p>
+            <a:r>
+              <a:rPr lang="en-US" dirty="0" smtClean="0"/>
+              <a:t>Graph Usage – Google Maps, Social media sites</a:t>
+            </a:r>
             <a:endParaRPr lang="en-US" dirty="0"/>
           </a:p>
         </p:txBody>
@@ -3610,7 +3652,7 @@
                   <a:schemeClr val="tx1"/>
                 </a:solidFill>
               </a:rPr>
-              <a:t>Arrays</a:t>
+              <a:t>Graphs</a:t>
             </a:r>
             <a:endParaRPr lang="en-US" b="1" dirty="0">
               <a:solidFill>
@@ -3620,6 +3662,30 @@
           </a:p>
         </p:txBody>
       </p:sp>
+      <p:pic>
+        <p:nvPicPr>
+          <p:cNvPr id="2" name="Picture 1"/>
+          <p:cNvPicPr>
+            <a:picLocks noChangeAspect="1"/>
+          </p:cNvPicPr>
+          <p:nvPr/>
+        </p:nvPicPr>
+        <p:blipFill>
+          <a:blip r:embed="rId2"/>
+          <a:stretch>
+            <a:fillRect/>
+          </a:stretch>
+        </p:blipFill>
+        <p:spPr>
+          <a:xfrm>
+            <a:off x="7972425" y="412955"/>
+            <a:ext cx="4219575" cy="3305175"/>
+          </a:xfrm>
+          <a:prstGeom prst="rect">
+            <a:avLst/>
+          </a:prstGeom>
+        </p:spPr>
+      </p:pic>
     </p:spTree>
     <p:extLst>
       <p:ext uri="{BB962C8B-B14F-4D97-AF65-F5344CB8AC3E}">
@@ -3652,12 +3718,94 @@
       </p:grpSpPr>
       <p:sp>
         <p:nvSpPr>
-          <p:cNvPr id="2" name="Title 1"/>
-          <p:cNvSpPr>
-            <a:spLocks noGrp="1"/>
-          </p:cNvSpPr>
-          <p:nvPr>
-            <p:ph type="title"/>
+          <p:cNvPr id="9" name="Content Placeholder 8"/>
+          <p:cNvSpPr>
+            <a:spLocks noGrp="1"/>
+          </p:cNvSpPr>
+          <p:nvPr>
+            <p:ph idx="1"/>
+          </p:nvPr>
+        </p:nvSpPr>
+        <p:spPr>
+          <a:xfrm>
+            <a:off x="838200" y="412955"/>
+            <a:ext cx="5916561" cy="5764008"/>
+          </a:xfrm>
+        </p:spPr>
+        <p:txBody>
+          <a:bodyPr>
+            <a:normAutofit fontScale="92500"/>
+          </a:bodyPr>
+          <a:lstStyle/>
+          <a:p>
+            <a:r>
+              <a:rPr lang="en-US" dirty="0" smtClean="0"/>
+              <a:t>Graph Representation </a:t>
+            </a:r>
+          </a:p>
+          <a:p>
+            <a:r>
+              <a:rPr lang="en-US" dirty="0" smtClean="0"/>
+              <a:t>Adjacency Matrix – An adjacency matrix is a 2D array of size V x V where </a:t>
+            </a:r>
+            <a:r>
+              <a:rPr lang="en-US" dirty="0" smtClean="0"/>
+              <a:t>V is the number of vertices in the graph</a:t>
+            </a:r>
+          </a:p>
+          <a:p>
+            <a:r>
+              <a:rPr lang="en-US" dirty="0" smtClean="0"/>
+              <a:t>Each row and column represent a vertex</a:t>
+            </a:r>
+          </a:p>
+          <a:p>
+            <a:r>
+              <a:rPr lang="en-US" dirty="0" smtClean="0"/>
+              <a:t>If the value of any element say , matric[</a:t>
+            </a:r>
+            <a:r>
+              <a:rPr lang="en-US" dirty="0" err="1" smtClean="0"/>
+              <a:t>i</a:t>
+            </a:r>
+            <a:r>
+              <a:rPr lang="en-US" dirty="0" smtClean="0"/>
+              <a:t>][j] it represents that there is an edge connecting vertex I and vertex j</a:t>
+            </a:r>
+          </a:p>
+          <a:p>
+            <a:endParaRPr lang="en-US" dirty="0"/>
+          </a:p>
+          <a:p>
+            <a:r>
+              <a:rPr lang="en-US" dirty="0"/>
+              <a:t>Adjacency </a:t>
+            </a:r>
+            <a:r>
+              <a:rPr lang="en-US" dirty="0" smtClean="0"/>
+              <a:t>List- Vertices </a:t>
+            </a:r>
+            <a:r>
+              <a:rPr lang="en-US" dirty="0"/>
+              <a:t>are sorted in a map like data structure, and every vertex stores a list of its adjacent vertices.</a:t>
+            </a:r>
+          </a:p>
+          <a:p>
+            <a:endParaRPr lang="en-US" dirty="0" smtClean="0"/>
+          </a:p>
+          <a:p>
+            <a:endParaRPr lang="en-US" dirty="0"/>
+          </a:p>
+        </p:txBody>
+      </p:sp>
+      <p:sp>
+        <p:nvSpPr>
+          <p:cNvPr id="5" name="Footer Placeholder 4"/>
+          <p:cNvSpPr>
+            <a:spLocks noGrp="1"/>
+          </p:cNvSpPr>
+          <p:nvPr>
+            <p:ph type="ftr" sz="quarter" idx="11"/>
           </p:nvPr>
         </p:nvSpPr>
         <p:spPr/>
@@ -3665,56 +3813,74 @@
           <a:bodyPr/>
           <a:lstStyle/>
           <a:p>
-            <a:endParaRPr lang="en-US"/>
-          </a:p>
-        </p:txBody>
-      </p:sp>
-      <p:sp>
-        <p:nvSpPr>
-          <p:cNvPr id="3" name="Content Placeholder 2"/>
-          <p:cNvSpPr>
-            <a:spLocks noGrp="1"/>
-          </p:cNvSpPr>
-          <p:nvPr>
-            <p:ph idx="1"/>
-          </p:nvPr>
-        </p:nvSpPr>
-        <p:spPr/>
-        <p:txBody>
-          <a:bodyPr/>
-          <a:lstStyle/>
-          <a:p>
-            <a:endParaRPr lang="en-US"/>
-          </a:p>
-        </p:txBody>
-      </p:sp>
-      <p:sp>
-        <p:nvSpPr>
-          <p:cNvPr id="4" name="Footer Placeholder 3"/>
-          <p:cNvSpPr>
-            <a:spLocks noGrp="1"/>
-          </p:cNvSpPr>
-          <p:nvPr>
-            <p:ph type="ftr" sz="quarter" idx="11"/>
-          </p:nvPr>
-        </p:nvSpPr>
-        <p:spPr/>
-        <p:txBody>
-          <a:bodyPr/>
-          <a:lstStyle/>
-          <a:p>
-            <a:r>
-              <a:rPr lang="en-US" smtClean="0"/>
-              <a:t>Data Structures</a:t>
-            </a:r>
-            <a:endParaRPr lang="en-US"/>
-          </a:p>
-        </p:txBody>
-      </p:sp>
+            <a:r>
+              <a:rPr lang="en-US" b="1" dirty="0" smtClean="0">
+                <a:solidFill>
+                  <a:schemeClr val="tx1"/>
+                </a:solidFill>
+              </a:rPr>
+              <a:t>Graphs</a:t>
+            </a:r>
+            <a:endParaRPr lang="en-US" b="1" dirty="0">
+              <a:solidFill>
+                <a:schemeClr val="tx1"/>
+              </a:solidFill>
+            </a:endParaRPr>
+          </a:p>
+        </p:txBody>
+      </p:sp>
+      <p:pic>
+        <p:nvPicPr>
+          <p:cNvPr id="2" name="Picture 1"/>
+          <p:cNvPicPr>
+            <a:picLocks noChangeAspect="1"/>
+          </p:cNvPicPr>
+          <p:nvPr/>
+        </p:nvPicPr>
+        <p:blipFill>
+          <a:blip r:embed="rId2"/>
+          <a:stretch>
+            <a:fillRect/>
+          </a:stretch>
+        </p:blipFill>
+        <p:spPr>
+          <a:xfrm>
+            <a:off x="7108722" y="412955"/>
+            <a:ext cx="4395020" cy="2882004"/>
+          </a:xfrm>
+          <a:prstGeom prst="rect">
+            <a:avLst/>
+          </a:prstGeom>
+        </p:spPr>
+      </p:pic>
+      <p:pic>
+        <p:nvPicPr>
+          <p:cNvPr id="6" name="Picture 5"/>
+          <p:cNvPicPr>
+            <a:picLocks noChangeAspect="1"/>
+          </p:cNvPicPr>
+          <p:nvPr/>
+        </p:nvPicPr>
+        <p:blipFill>
+          <a:blip r:embed="rId3"/>
+          <a:stretch>
+            <a:fillRect/>
+          </a:stretch>
+        </p:blipFill>
+        <p:spPr>
+          <a:xfrm>
+            <a:off x="7108722" y="3419476"/>
+            <a:ext cx="4554794" cy="2757488"/>
+          </a:xfrm>
+          <a:prstGeom prst="rect">
+            <a:avLst/>
+          </a:prstGeom>
+        </p:spPr>
+      </p:pic>
     </p:spTree>
     <p:extLst>
       <p:ext uri="{BB962C8B-B14F-4D97-AF65-F5344CB8AC3E}">
-        <p14:creationId xmlns:p14="http://schemas.microsoft.com/office/powerpoint/2010/main" val="2899019480"/>
+        <p14:creationId xmlns:p14="http://schemas.microsoft.com/office/powerpoint/2010/main" val="1723833206"/>
       </p:ext>
     </p:extLst>
   </p:cSld>
@@ -3743,7 +3909,7 @@
       </p:grpSpPr>
       <p:sp>
         <p:nvSpPr>
-          <p:cNvPr id="2" name="Title 1"/>
+          <p:cNvPr id="3" name="Title 2"/>
           <p:cNvSpPr>
             <a:spLocks noGrp="1"/>
           </p:cNvSpPr>
@@ -3756,13 +3922,17 @@
           <a:bodyPr/>
           <a:lstStyle/>
           <a:p>
-            <a:endParaRPr lang="en-US"/>
-          </a:p>
-        </p:txBody>
-      </p:sp>
-      <p:sp>
-        <p:nvSpPr>
-          <p:cNvPr id="3" name="Content Placeholder 2"/>
+            <a:r>
+              <a:rPr lang="en-US" dirty="0" smtClean="0"/>
+              <a:t>Adjacency matric vs Adjacency list</a:t>
+            </a:r>
+            <a:endParaRPr lang="en-US" dirty="0"/>
+          </a:p>
+        </p:txBody>
+      </p:sp>
+      <p:sp>
+        <p:nvSpPr>
+          <p:cNvPr id="9" name="Content Placeholder 8"/>
           <p:cNvSpPr>
             <a:spLocks noGrp="1"/>
           </p:cNvSpPr>
@@ -3770,42 +3940,284 @@
             <p:ph idx="1"/>
           </p:nvPr>
         </p:nvSpPr>
+        <p:spPr>
+          <a:xfrm>
+            <a:off x="6784258" y="1825625"/>
+            <a:ext cx="4569542" cy="4351338"/>
+          </a:xfrm>
+        </p:spPr>
+        <p:txBody>
+          <a:bodyPr>
+            <a:normAutofit fontScale="92500" lnSpcReduction="10000"/>
+          </a:bodyPr>
+          <a:lstStyle/>
+          <a:p>
+            <a:endParaRPr lang="en-US" dirty="0" smtClean="0"/>
+          </a:p>
+          <a:p>
+            <a:r>
+              <a:rPr lang="en-US" dirty="0" smtClean="0"/>
+              <a:t>With an adjacency list, w only need to store the values for the edges that exist </a:t>
+            </a:r>
+          </a:p>
+          <a:p>
+            <a:r>
+              <a:rPr lang="en-US" dirty="0" smtClean="0"/>
+              <a:t>With adjacency list inserting and finding adjacent nodes is constant time complexity whereas </a:t>
+            </a:r>
+          </a:p>
+          <a:p>
+            <a:r>
+              <a:rPr lang="en-US" dirty="0" smtClean="0"/>
+              <a:t>It allows you to store additional values with an edge such as weight of the edge</a:t>
+            </a:r>
+          </a:p>
+        </p:txBody>
+      </p:sp>
+      <p:sp>
+        <p:nvSpPr>
+          <p:cNvPr id="5" name="Footer Placeholder 4"/>
+          <p:cNvSpPr>
+            <a:spLocks noGrp="1"/>
+          </p:cNvSpPr>
+          <p:nvPr>
+            <p:ph type="ftr" sz="quarter" idx="11"/>
+          </p:nvPr>
+        </p:nvSpPr>
         <p:spPr/>
         <p:txBody>
           <a:bodyPr/>
           <a:lstStyle/>
           <a:p>
-            <a:endParaRPr lang="en-US"/>
-          </a:p>
-        </p:txBody>
-      </p:sp>
-      <p:sp>
-        <p:nvSpPr>
-          <p:cNvPr id="4" name="Footer Placeholder 3"/>
-          <p:cNvSpPr>
-            <a:spLocks noGrp="1"/>
-          </p:cNvSpPr>
-          <p:nvPr>
-            <p:ph type="ftr" sz="quarter" idx="11"/>
-          </p:nvPr>
-        </p:nvSpPr>
-        <p:spPr/>
-        <p:txBody>
-          <a:bodyPr/>
-          <a:lstStyle/>
-          <a:p>
-            <a:r>
-              <a:rPr lang="en-US" smtClean="0"/>
-              <a:t>Data Structures</a:t>
-            </a:r>
-            <a:endParaRPr lang="en-US"/>
+            <a:r>
+              <a:rPr lang="en-US" b="1" dirty="0" smtClean="0">
+                <a:solidFill>
+                  <a:schemeClr val="tx1"/>
+                </a:solidFill>
+              </a:rPr>
+              <a:t>Graphs</a:t>
+            </a:r>
+            <a:endParaRPr lang="en-US" b="1" dirty="0">
+              <a:solidFill>
+                <a:schemeClr val="tx1"/>
+              </a:solidFill>
+            </a:endParaRPr>
+          </a:p>
+        </p:txBody>
+      </p:sp>
+      <p:sp>
+        <p:nvSpPr>
+          <p:cNvPr id="7" name="Content Placeholder 8"/>
+          <p:cNvSpPr txBox="1">
+            <a:spLocks/>
+          </p:cNvSpPr>
+          <p:nvPr/>
+        </p:nvSpPr>
+        <p:spPr>
+          <a:xfrm>
+            <a:off x="1526458" y="1690688"/>
+            <a:ext cx="4569542" cy="4351338"/>
+          </a:xfrm>
+          <a:prstGeom prst="rect">
+            <a:avLst/>
+          </a:prstGeom>
+        </p:spPr>
+        <p:txBody>
+          <a:bodyPr vert="horz" lIns="91440" tIns="45720" rIns="91440" bIns="45720" rtlCol="0">
+            <a:normAutofit lnSpcReduction="10000"/>
+          </a:bodyPr>
+          <a:lstStyle>
+            <a:lvl1pPr marL="228600" indent="-228600" algn="l" defTabSz="914400" rtl="0" eaLnBrk="1" latinLnBrk="0" hangingPunct="1">
+              <a:lnSpc>
+                <a:spcPct val="90000"/>
+              </a:lnSpc>
+              <a:spcBef>
+                <a:spcPts val="1000"/>
+              </a:spcBef>
+              <a:buFont typeface="Arial" panose="020B0604020202020204" pitchFamily="34" charset="0"/>
+              <a:buChar char="•"/>
+              <a:defRPr sz="2800" kern="1200">
+                <a:solidFill>
+                  <a:schemeClr val="tx1"/>
+                </a:solidFill>
+                <a:latin typeface="+mn-lt"/>
+                <a:ea typeface="+mn-ea"/>
+                <a:cs typeface="+mn-cs"/>
+              </a:defRPr>
+            </a:lvl1pPr>
+            <a:lvl2pPr marL="685800" indent="-228600" algn="l" defTabSz="914400" rtl="0" eaLnBrk="1" latinLnBrk="0" hangingPunct="1">
+              <a:lnSpc>
+                <a:spcPct val="90000"/>
+              </a:lnSpc>
+              <a:spcBef>
+                <a:spcPts val="500"/>
+              </a:spcBef>
+              <a:buFont typeface="Arial" panose="020B0604020202020204" pitchFamily="34" charset="0"/>
+              <a:buChar char="•"/>
+              <a:defRPr sz="2400" kern="1200">
+                <a:solidFill>
+                  <a:schemeClr val="tx1"/>
+                </a:solidFill>
+                <a:latin typeface="+mn-lt"/>
+                <a:ea typeface="+mn-ea"/>
+                <a:cs typeface="+mn-cs"/>
+              </a:defRPr>
+            </a:lvl2pPr>
+            <a:lvl3pPr marL="1143000" indent="-228600" algn="l" defTabSz="914400" rtl="0" eaLnBrk="1" latinLnBrk="0" hangingPunct="1">
+              <a:lnSpc>
+                <a:spcPct val="90000"/>
+              </a:lnSpc>
+              <a:spcBef>
+                <a:spcPts val="500"/>
+              </a:spcBef>
+              <a:buFont typeface="Arial" panose="020B0604020202020204" pitchFamily="34" charset="0"/>
+              <a:buChar char="•"/>
+              <a:defRPr sz="2000" kern="1200">
+                <a:solidFill>
+                  <a:schemeClr val="tx1"/>
+                </a:solidFill>
+                <a:latin typeface="+mn-lt"/>
+                <a:ea typeface="+mn-ea"/>
+                <a:cs typeface="+mn-cs"/>
+              </a:defRPr>
+            </a:lvl3pPr>
+            <a:lvl4pPr marL="1600200" indent="-228600" algn="l" defTabSz="914400" rtl="0" eaLnBrk="1" latinLnBrk="0" hangingPunct="1">
+              <a:lnSpc>
+                <a:spcPct val="90000"/>
+              </a:lnSpc>
+              <a:spcBef>
+                <a:spcPts val="500"/>
+              </a:spcBef>
+              <a:buFont typeface="Arial" panose="020B0604020202020204" pitchFamily="34" charset="0"/>
+              <a:buChar char="•"/>
+              <a:defRPr sz="1800" kern="1200">
+                <a:solidFill>
+                  <a:schemeClr val="tx1"/>
+                </a:solidFill>
+                <a:latin typeface="+mn-lt"/>
+                <a:ea typeface="+mn-ea"/>
+                <a:cs typeface="+mn-cs"/>
+              </a:defRPr>
+            </a:lvl4pPr>
+            <a:lvl5pPr marL="2057400" indent="-228600" algn="l" defTabSz="914400" rtl="0" eaLnBrk="1" latinLnBrk="0" hangingPunct="1">
+              <a:lnSpc>
+                <a:spcPct val="90000"/>
+              </a:lnSpc>
+              <a:spcBef>
+                <a:spcPts val="500"/>
+              </a:spcBef>
+              <a:buFont typeface="Arial" panose="020B0604020202020204" pitchFamily="34" charset="0"/>
+              <a:buChar char="•"/>
+              <a:defRPr sz="1800" kern="1200">
+                <a:solidFill>
+                  <a:schemeClr val="tx1"/>
+                </a:solidFill>
+                <a:latin typeface="+mn-lt"/>
+                <a:ea typeface="+mn-ea"/>
+                <a:cs typeface="+mn-cs"/>
+              </a:defRPr>
+            </a:lvl5pPr>
+            <a:lvl6pPr marL="2514600" indent="-228600" algn="l" defTabSz="914400" rtl="0" eaLnBrk="1" latinLnBrk="0" hangingPunct="1">
+              <a:lnSpc>
+                <a:spcPct val="90000"/>
+              </a:lnSpc>
+              <a:spcBef>
+                <a:spcPts val="500"/>
+              </a:spcBef>
+              <a:buFont typeface="Arial" panose="020B0604020202020204" pitchFamily="34" charset="0"/>
+              <a:buChar char="•"/>
+              <a:defRPr sz="1800" kern="1200">
+                <a:solidFill>
+                  <a:schemeClr val="tx1"/>
+                </a:solidFill>
+                <a:latin typeface="+mn-lt"/>
+                <a:ea typeface="+mn-ea"/>
+                <a:cs typeface="+mn-cs"/>
+              </a:defRPr>
+            </a:lvl6pPr>
+            <a:lvl7pPr marL="2971800" indent="-228600" algn="l" defTabSz="914400" rtl="0" eaLnBrk="1" latinLnBrk="0" hangingPunct="1">
+              <a:lnSpc>
+                <a:spcPct val="90000"/>
+              </a:lnSpc>
+              <a:spcBef>
+                <a:spcPts val="500"/>
+              </a:spcBef>
+              <a:buFont typeface="Arial" panose="020B0604020202020204" pitchFamily="34" charset="0"/>
+              <a:buChar char="•"/>
+              <a:defRPr sz="1800" kern="1200">
+                <a:solidFill>
+                  <a:schemeClr val="tx1"/>
+                </a:solidFill>
+                <a:latin typeface="+mn-lt"/>
+                <a:ea typeface="+mn-ea"/>
+                <a:cs typeface="+mn-cs"/>
+              </a:defRPr>
+            </a:lvl7pPr>
+            <a:lvl8pPr marL="3429000" indent="-228600" algn="l" defTabSz="914400" rtl="0" eaLnBrk="1" latinLnBrk="0" hangingPunct="1">
+              <a:lnSpc>
+                <a:spcPct val="90000"/>
+              </a:lnSpc>
+              <a:spcBef>
+                <a:spcPts val="500"/>
+              </a:spcBef>
+              <a:buFont typeface="Arial" panose="020B0604020202020204" pitchFamily="34" charset="0"/>
+              <a:buChar char="•"/>
+              <a:defRPr sz="1800" kern="1200">
+                <a:solidFill>
+                  <a:schemeClr val="tx1"/>
+                </a:solidFill>
+                <a:latin typeface="+mn-lt"/>
+                <a:ea typeface="+mn-ea"/>
+                <a:cs typeface="+mn-cs"/>
+              </a:defRPr>
+            </a:lvl8pPr>
+            <a:lvl9pPr marL="3886200" indent="-228600" algn="l" defTabSz="914400" rtl="0" eaLnBrk="1" latinLnBrk="0" hangingPunct="1">
+              <a:lnSpc>
+                <a:spcPct val="90000"/>
+              </a:lnSpc>
+              <a:spcBef>
+                <a:spcPts val="500"/>
+              </a:spcBef>
+              <a:buFont typeface="Arial" panose="020B0604020202020204" pitchFamily="34" charset="0"/>
+              <a:buChar char="•"/>
+              <a:defRPr sz="1800" kern="1200">
+                <a:solidFill>
+                  <a:schemeClr val="tx1"/>
+                </a:solidFill>
+                <a:latin typeface="+mn-lt"/>
+                <a:ea typeface="+mn-ea"/>
+                <a:cs typeface="+mn-cs"/>
+              </a:defRPr>
+            </a:lvl9pPr>
+          </a:lstStyle>
+          <a:p>
+            <a:endParaRPr lang="en-US" dirty="0" smtClean="0"/>
+          </a:p>
+          <a:p>
+            <a:r>
+              <a:rPr lang="en-US" dirty="0" smtClean="0"/>
+              <a:t>With adjacency matrix you store values irrespective of whether an edge exists or not storage wise an adjacency list is way more efficient</a:t>
+            </a:r>
+          </a:p>
+          <a:p>
+            <a:r>
+              <a:rPr lang="en-US" dirty="0" smtClean="0"/>
+              <a:t>Adjacency matrix it is linear time complexity</a:t>
+            </a:r>
+          </a:p>
+          <a:p>
+            <a:r>
+              <a:rPr lang="en-US" dirty="0" smtClean="0"/>
+              <a:t>Such information would have to be stored externally</a:t>
+            </a:r>
+            <a:endParaRPr lang="en-US" dirty="0" smtClean="0"/>
           </a:p>
         </p:txBody>
       </p:sp>
     </p:spTree>
     <p:extLst>
       <p:ext uri="{BB962C8B-B14F-4D97-AF65-F5344CB8AC3E}">
-        <p14:creationId xmlns:p14="http://schemas.microsoft.com/office/powerpoint/2010/main" val="1948746016"/>
+        <p14:creationId xmlns:p14="http://schemas.microsoft.com/office/powerpoint/2010/main" val="2888405990"/>
       </p:ext>
     </p:extLst>
   </p:cSld>
